--- a/Final_Project_Files/Hate_Crimes_draft_ppt.pptx
+++ b/Final_Project_Files/Hate_Crimes_draft_ppt.pptx
@@ -1751,7 +1751,7 @@
 <dgm:dataModel xmlns:dgm="http://schemas.openxmlformats.org/drawingml/2006/diagram" xmlns:a="http://schemas.openxmlformats.org/drawingml/2006/main">
   <dgm:ptLst>
     <dgm:pt modelId="{7A243949-AC37-495C-94C8-9CAD7425FDEB}" type="doc">
-      <dgm:prSet loTypeId="urn:microsoft.com/office/officeart/2005/8/layout/vList2" loCatId="list" qsTypeId="urn:microsoft.com/office/officeart/2005/8/quickstyle/simple1" qsCatId="simple" csTypeId="urn:microsoft.com/office/officeart/2005/8/colors/colorful5" csCatId="colorful"/>
+      <dgm:prSet loTypeId="urn:microsoft.com/office/officeart/2005/8/layout/vList2" loCatId="list" qsTypeId="urn:microsoft.com/office/officeart/2005/8/quickstyle/simple1" qsCatId="simple" csTypeId="urn:microsoft.com/office/officeart/2005/8/colors/colorful5" csCatId="colorful" phldr="1"/>
       <dgm:spPr/>
       <dgm:t>
         <a:bodyPr/>
@@ -1806,7 +1806,7 @@
         <a:p>
           <a:r>
             <a:rPr lang="en-US" sz="2000" dirty="0"/>
-            <a:t>How has hate crime offenders changed over the years?</a:t>
+            <a:t>How has hate crime bias changed over the years?</a:t>
           </a:r>
         </a:p>
       </dgm:t>
@@ -1823,42 +1823,6 @@
       </dgm:t>
     </dgm:pt>
     <dgm:pt modelId="{93C5B5D3-2B8D-4502-964B-37E5748BC1BD}" type="sibTrans" cxnId="{025704D1-5464-4C54-AA0D-9101F929703E}">
-      <dgm:prSet/>
-      <dgm:spPr/>
-      <dgm:t>
-        <a:bodyPr/>
-        <a:lstStyle/>
-        <a:p>
-          <a:endParaRPr lang="en-US"/>
-        </a:p>
-      </dgm:t>
-    </dgm:pt>
-    <dgm:pt modelId="{3833DF4C-3ECD-4895-87D8-C1AE74AE4EA9}">
-      <dgm:prSet custT="1"/>
-      <dgm:spPr/>
-      <dgm:t>
-        <a:bodyPr/>
-        <a:lstStyle/>
-        <a:p>
-          <a:r>
-            <a:rPr lang="en-US" sz="2000" dirty="0"/>
-            <a:t>How has hate crime victims changed over the years? </a:t>
-          </a:r>
-        </a:p>
-      </dgm:t>
-    </dgm:pt>
-    <dgm:pt modelId="{3A4092AA-A8C1-4F44-8B81-7C512425E584}" type="parTrans" cxnId="{0BDE868A-A64F-4719-A13C-F2F05C12147A}">
-      <dgm:prSet/>
-      <dgm:spPr/>
-      <dgm:t>
-        <a:bodyPr/>
-        <a:lstStyle/>
-        <a:p>
-          <a:endParaRPr lang="en-US"/>
-        </a:p>
-      </dgm:t>
-    </dgm:pt>
-    <dgm:pt modelId="{C8B76255-8DA5-498C-9CA9-83CEAA9D5908}" type="sibTrans" cxnId="{0BDE868A-A64F-4719-A13C-F2F05C12147A}">
       <dgm:prSet/>
       <dgm:spPr/>
       <dgm:t>
@@ -2208,12 +2172,10 @@
     <dgm:cxn modelId="{944DAA6A-4301-490B-88CC-964A7F5CBE58}" type="presOf" srcId="{E5475D2A-0D57-4918-A7FD-147241F22F13}" destId="{501B4760-0FE8-4EB8-B4BE-FA9A661C5951}" srcOrd="0" destOrd="1" presId="urn:microsoft.com/office/officeart/2005/8/layout/vList2"/>
     <dgm:cxn modelId="{E91C887A-3EC8-445E-BAD2-78A92CD7637B}" srcId="{DF44674A-1FAB-4809-A70D-415A60F4195E}" destId="{25F47260-8B88-4005-89B1-58BA281972C4}" srcOrd="0" destOrd="0" parTransId="{E66FA91F-E185-468F-A6F9-FF3A29579189}" sibTransId="{F6E639A0-A133-47F1-918C-FB13D8302E18}"/>
     <dgm:cxn modelId="{A6A4BC7C-0A45-49F6-A878-E28AE56E1DFE}" srcId="{1836A28B-E430-42AD-846B-EE8EEE3DCB2F}" destId="{82F8773F-8D99-415F-B3C7-6F53F86C236D}" srcOrd="0" destOrd="0" parTransId="{AB1230DA-38E3-402B-8F17-9C3273356A64}" sibTransId="{7B181EF3-37C7-439A-9530-D47FDCE152E7}"/>
-    <dgm:cxn modelId="{0BDE868A-A64F-4719-A13C-F2F05C12147A}" srcId="{17B9456D-E27C-42BF-BF85-2B27376697E9}" destId="{3833DF4C-3ECD-4895-87D8-C1AE74AE4EA9}" srcOrd="1" destOrd="0" parTransId="{3A4092AA-A8C1-4F44-8B81-7C512425E584}" sibTransId="{C8B76255-8DA5-498C-9CA9-83CEAA9D5908}"/>
     <dgm:cxn modelId="{F7566097-B5FD-4EF8-AC2F-5819F63F8CEF}" type="presOf" srcId="{4146D254-154C-4080-A40D-45F855B4B221}" destId="{BDE668B1-F401-4925-8BBB-5B8D40579974}" srcOrd="0" destOrd="0" presId="urn:microsoft.com/office/officeart/2005/8/layout/vList2"/>
     <dgm:cxn modelId="{079F28AF-F3F5-4CAA-B13C-CDC655CD05FC}" type="presOf" srcId="{25F47260-8B88-4005-89B1-58BA281972C4}" destId="{501B4760-0FE8-4EB8-B4BE-FA9A661C5951}" srcOrd="0" destOrd="0" presId="urn:microsoft.com/office/officeart/2005/8/layout/vList2"/>
     <dgm:cxn modelId="{30D4FDB0-F950-4F5E-A401-EA4A35D2A144}" srcId="{7A243949-AC37-495C-94C8-9CAD7425FDEB}" destId="{17B9456D-E27C-42BF-BF85-2B27376697E9}" srcOrd="0" destOrd="0" parTransId="{11B20E04-B465-4BF0-9E6E-302506BC7CB2}" sibTransId="{DB1B7319-B422-43AF-A498-13C877C55FB9}"/>
     <dgm:cxn modelId="{F2AC2EB6-F11F-4F1B-9B09-67BD9D0B5462}" type="presOf" srcId="{7A243949-AC37-495C-94C8-9CAD7425FDEB}" destId="{F82FDE08-2F8C-4646-B0C4-87A68B652A1E}" srcOrd="0" destOrd="0" presId="urn:microsoft.com/office/officeart/2005/8/layout/vList2"/>
-    <dgm:cxn modelId="{77D8CFBF-2EC5-4364-8314-8D1041655ED7}" type="presOf" srcId="{3833DF4C-3ECD-4895-87D8-C1AE74AE4EA9}" destId="{BDE668B1-F401-4925-8BBB-5B8D40579974}" srcOrd="0" destOrd="1" presId="urn:microsoft.com/office/officeart/2005/8/layout/vList2"/>
     <dgm:cxn modelId="{025704D1-5464-4C54-AA0D-9101F929703E}" srcId="{17B9456D-E27C-42BF-BF85-2B27376697E9}" destId="{4146D254-154C-4080-A40D-45F855B4B221}" srcOrd="0" destOrd="0" parTransId="{13BC74AE-117B-40E3-A33B-965CA06CF7BE}" sibTransId="{93C5B5D3-2B8D-4502-964B-37E5748BC1BD}"/>
     <dgm:cxn modelId="{FFEEB4D6-C6C6-493B-831E-030DF6DAD5D3}" srcId="{7A243949-AC37-495C-94C8-9CAD7425FDEB}" destId="{DF44674A-1FAB-4809-A70D-415A60F4195E}" srcOrd="2" destOrd="0" parTransId="{8AB8071F-E482-4847-B698-6CEAADC79A00}" sibTransId="{FBFC02E5-2E4E-452C-94E3-BE57801EF40B}"/>
     <dgm:cxn modelId="{220258DD-EF3A-4161-B47C-18384AE23067}" type="presOf" srcId="{DF44674A-1FAB-4809-A70D-415A60F4195E}" destId="{9CB88513-BFF3-4FC3-8830-99CFAF2AC11E}" srcOrd="0" destOrd="0" presId="urn:microsoft.com/office/officeart/2005/8/layout/vList2"/>
@@ -2641,7 +2603,7 @@
       </dsp:nvSpPr>
       <dsp:spPr>
         <a:xfrm>
-          <a:off x="0" y="9230"/>
+          <a:off x="0" y="29413"/>
           <a:ext cx="6513603" cy="730080"/>
         </a:xfrm>
         <a:prstGeom prst="roundRect">
@@ -2708,7 +2670,7 @@
         </a:p>
       </dsp:txBody>
       <dsp:txXfrm>
-        <a:off x="35640" y="44870"/>
+        <a:off x="35640" y="65053"/>
         <a:ext cx="6442323" cy="658800"/>
       </dsp:txXfrm>
     </dsp:sp>
@@ -2719,8 +2681,8 @@
       </dsp:nvSpPr>
       <dsp:spPr>
         <a:xfrm>
-          <a:off x="0" y="739310"/>
-          <a:ext cx="6513603" cy="686205"/>
+          <a:off x="0" y="759493"/>
+          <a:ext cx="6513603" cy="645840"/>
         </a:xfrm>
         <a:prstGeom prst="rect">
           <a:avLst/>
@@ -2763,31 +2725,13 @@
           </a:pPr>
           <a:r>
             <a:rPr lang="en-US" sz="2000" kern="1200" dirty="0"/>
-            <a:t>How has hate crime offenders changed over the years?</a:t>
-          </a:r>
-        </a:p>
-        <a:p>
-          <a:pPr marL="228600" lvl="1" indent="-228600" algn="l" defTabSz="889000">
-            <a:lnSpc>
-              <a:spcPct val="90000"/>
-            </a:lnSpc>
-            <a:spcBef>
-              <a:spcPct val="0"/>
-            </a:spcBef>
-            <a:spcAft>
-              <a:spcPct val="20000"/>
-            </a:spcAft>
-            <a:buChar char="•"/>
-          </a:pPr>
-          <a:r>
-            <a:rPr lang="en-US" sz="2000" kern="1200" dirty="0"/>
-            <a:t>How has hate crime victims changed over the years? </a:t>
+            <a:t>How has hate crime bias changed over the years?</a:t>
           </a:r>
         </a:p>
       </dsp:txBody>
       <dsp:txXfrm>
-        <a:off x="0" y="739310"/>
-        <a:ext cx="6513603" cy="686205"/>
+        <a:off x="0" y="759493"/>
+        <a:ext cx="6513603" cy="645840"/>
       </dsp:txXfrm>
     </dsp:sp>
     <dsp:sp modelId="{5432E0D8-7976-4603-9225-204A92917E62}">
@@ -2797,7 +2741,7 @@
       </dsp:nvSpPr>
       <dsp:spPr>
         <a:xfrm>
-          <a:off x="0" y="1425515"/>
+          <a:off x="0" y="1405333"/>
           <a:ext cx="6513603" cy="730080"/>
         </a:xfrm>
         <a:prstGeom prst="roundRect">
@@ -2864,7 +2808,7 @@
         </a:p>
       </dsp:txBody>
       <dsp:txXfrm>
-        <a:off x="35640" y="1461155"/>
+        <a:off x="35640" y="1440973"/>
         <a:ext cx="6442323" cy="658800"/>
       </dsp:txXfrm>
     </dsp:sp>
@@ -2875,7 +2819,7 @@
       </dsp:nvSpPr>
       <dsp:spPr>
         <a:xfrm>
-          <a:off x="0" y="2155595"/>
+          <a:off x="0" y="2135413"/>
           <a:ext cx="6513603" cy="645840"/>
         </a:xfrm>
         <a:prstGeom prst="rect">
@@ -2924,7 +2868,7 @@
         </a:p>
       </dsp:txBody>
       <dsp:txXfrm>
-        <a:off x="0" y="2155595"/>
+        <a:off x="0" y="2135413"/>
         <a:ext cx="6513603" cy="645840"/>
       </dsp:txXfrm>
     </dsp:sp>
@@ -2935,7 +2879,7 @@
       </dsp:nvSpPr>
       <dsp:spPr>
         <a:xfrm>
-          <a:off x="0" y="2801435"/>
+          <a:off x="0" y="2781253"/>
           <a:ext cx="6513603" cy="730080"/>
         </a:xfrm>
         <a:prstGeom prst="roundRect">
@@ -3002,7 +2946,7 @@
         </a:p>
       </dsp:txBody>
       <dsp:txXfrm>
-        <a:off x="35640" y="2837075"/>
+        <a:off x="35640" y="2816893"/>
         <a:ext cx="6442323" cy="658800"/>
       </dsp:txXfrm>
     </dsp:sp>
@@ -3013,7 +2957,7 @@
       </dsp:nvSpPr>
       <dsp:spPr>
         <a:xfrm>
-          <a:off x="0" y="3531515"/>
+          <a:off x="0" y="3511333"/>
           <a:ext cx="6513603" cy="968760"/>
         </a:xfrm>
         <a:prstGeom prst="rect">
@@ -3080,7 +3024,7 @@
         </a:p>
       </dsp:txBody>
       <dsp:txXfrm>
-        <a:off x="0" y="3531515"/>
+        <a:off x="0" y="3511333"/>
         <a:ext cx="6513603" cy="968760"/>
       </dsp:txXfrm>
     </dsp:sp>
@@ -3091,7 +3035,7 @@
       </dsp:nvSpPr>
       <dsp:spPr>
         <a:xfrm>
-          <a:off x="0" y="4500275"/>
+          <a:off x="0" y="4480093"/>
           <a:ext cx="6513603" cy="730080"/>
         </a:xfrm>
         <a:prstGeom prst="roundRect">
@@ -3158,7 +3102,7 @@
         </a:p>
       </dsp:txBody>
       <dsp:txXfrm>
-        <a:off x="35640" y="4535915"/>
+        <a:off x="35640" y="4515733"/>
         <a:ext cx="6442323" cy="658800"/>
       </dsp:txXfrm>
     </dsp:sp>
@@ -3169,7 +3113,7 @@
       </dsp:nvSpPr>
       <dsp:spPr>
         <a:xfrm>
-          <a:off x="0" y="5230355"/>
+          <a:off x="0" y="5210173"/>
           <a:ext cx="6513603" cy="645840"/>
         </a:xfrm>
         <a:prstGeom prst="rect">
@@ -3218,7 +3162,7 @@
         </a:p>
       </dsp:txBody>
       <dsp:txXfrm>
-        <a:off x="0" y="5230355"/>
+        <a:off x="0" y="5210173"/>
         <a:ext cx="6513603" cy="645840"/>
       </dsp:txXfrm>
     </dsp:sp>
@@ -10554,7 +10498,7 @@
                 <a:ea typeface="+mj-ea"/>
                 <a:cs typeface="+mj-cs"/>
               </a:rPr>
-              <a:t>Examining demographics of perpetrators and victims</a:t>
+              <a:t>Examining aggregate totals and victim demographics</a:t>
             </a:r>
             <a:br>
               <a:rPr lang="en-US" sz="2400" kern="1200" dirty="0">
@@ -19510,7 +19454,7 @@
             <p:ph idx="1"/>
             <p:extLst>
               <p:ext uri="{D42A27DB-BD31-4B8C-83A1-F6EECF244321}">
-                <p14:modId xmlns:p14="http://schemas.microsoft.com/office/powerpoint/2010/main" val="3323108074"/>
+                <p14:modId xmlns:p14="http://schemas.microsoft.com/office/powerpoint/2010/main" val="1963941807"/>
               </p:ext>
             </p:extLst>
           </p:nvPr>
